--- a/resume/fig_resume.pptx
+++ b/resume/fig_resume.pptx
@@ -5,10 +5,11 @@
     <p:sldMasterId id="2147483648" r:id="rId1"/>
   </p:sldMasterIdLst>
   <p:notesMasterIdLst>
-    <p:notesMasterId r:id="rId3"/>
+    <p:notesMasterId r:id="rId4"/>
   </p:notesMasterIdLst>
   <p:sldIdLst>
     <p:sldId id="268" r:id="rId2"/>
+    <p:sldId id="269" r:id="rId3"/>
   </p:sldIdLst>
   <p:sldSz cx="12192000" cy="6858000"/>
   <p:notesSz cx="6858000" cy="9144000"/>
@@ -197,7 +198,7 @@
           <a:p>
             <a:fld id="{5132F9E5-22C7-4D67-BFE7-9836B898E847}" type="datetimeFigureOut">
               <a:rPr kumimoji="1" lang="ja-JP" altLang="en-US" smtClean="0"/>
-              <a:t>2018/2/13</a:t>
+              <a:t>2018/2/14</a:t>
             </a:fld>
             <a:endParaRPr kumimoji="1" lang="ja-JP" altLang="en-US"/>
           </a:p>
@@ -628,7 +629,7 @@
           <a:p>
             <a:fld id="{ABA9A1D1-5B79-412D-8149-C192A605B75C}" type="datetimeFigureOut">
               <a:rPr kumimoji="1" lang="ja-JP" altLang="en-US" smtClean="0"/>
-              <a:t>2018/2/13</a:t>
+              <a:t>2018/2/14</a:t>
             </a:fld>
             <a:endParaRPr kumimoji="1" lang="ja-JP" altLang="en-US"/>
           </a:p>
@@ -830,7 +831,7 @@
           <a:p>
             <a:fld id="{ABA9A1D1-5B79-412D-8149-C192A605B75C}" type="datetimeFigureOut">
               <a:rPr kumimoji="1" lang="ja-JP" altLang="en-US" smtClean="0"/>
-              <a:t>2018/2/13</a:t>
+              <a:t>2018/2/14</a:t>
             </a:fld>
             <a:endParaRPr kumimoji="1" lang="ja-JP" altLang="en-US"/>
           </a:p>
@@ -1042,7 +1043,7 @@
           <a:p>
             <a:fld id="{ABA9A1D1-5B79-412D-8149-C192A605B75C}" type="datetimeFigureOut">
               <a:rPr kumimoji="1" lang="ja-JP" altLang="en-US" smtClean="0"/>
-              <a:t>2018/2/13</a:t>
+              <a:t>2018/2/14</a:t>
             </a:fld>
             <a:endParaRPr kumimoji="1" lang="ja-JP" altLang="en-US"/>
           </a:p>
@@ -1244,7 +1245,7 @@
           <a:p>
             <a:fld id="{ABA9A1D1-5B79-412D-8149-C192A605B75C}" type="datetimeFigureOut">
               <a:rPr kumimoji="1" lang="ja-JP" altLang="en-US" smtClean="0"/>
-              <a:t>2018/2/13</a:t>
+              <a:t>2018/2/14</a:t>
             </a:fld>
             <a:endParaRPr kumimoji="1" lang="ja-JP" altLang="en-US"/>
           </a:p>
@@ -1490,7 +1491,7 @@
           <a:p>
             <a:fld id="{ABA9A1D1-5B79-412D-8149-C192A605B75C}" type="datetimeFigureOut">
               <a:rPr kumimoji="1" lang="ja-JP" altLang="en-US" smtClean="0"/>
-              <a:t>2018/2/13</a:t>
+              <a:t>2018/2/14</a:t>
             </a:fld>
             <a:endParaRPr kumimoji="1" lang="ja-JP" altLang="en-US"/>
           </a:p>
@@ -1786,7 +1787,7 @@
           <a:p>
             <a:fld id="{ABA9A1D1-5B79-412D-8149-C192A605B75C}" type="datetimeFigureOut">
               <a:rPr kumimoji="1" lang="ja-JP" altLang="en-US" smtClean="0"/>
-              <a:t>2018/2/13</a:t>
+              <a:t>2018/2/14</a:t>
             </a:fld>
             <a:endParaRPr kumimoji="1" lang="ja-JP" altLang="en-US"/>
           </a:p>
@@ -2217,7 +2218,7 @@
           <a:p>
             <a:fld id="{ABA9A1D1-5B79-412D-8149-C192A605B75C}" type="datetimeFigureOut">
               <a:rPr kumimoji="1" lang="ja-JP" altLang="en-US" smtClean="0"/>
-              <a:t>2018/2/13</a:t>
+              <a:t>2018/2/14</a:t>
             </a:fld>
             <a:endParaRPr kumimoji="1" lang="ja-JP" altLang="en-US"/>
           </a:p>
@@ -2335,7 +2336,7 @@
           <a:p>
             <a:fld id="{ABA9A1D1-5B79-412D-8149-C192A605B75C}" type="datetimeFigureOut">
               <a:rPr kumimoji="1" lang="ja-JP" altLang="en-US" smtClean="0"/>
-              <a:t>2018/2/13</a:t>
+              <a:t>2018/2/14</a:t>
             </a:fld>
             <a:endParaRPr kumimoji="1" lang="ja-JP" altLang="en-US"/>
           </a:p>
@@ -2430,7 +2431,7 @@
           <a:p>
             <a:fld id="{ABA9A1D1-5B79-412D-8149-C192A605B75C}" type="datetimeFigureOut">
               <a:rPr kumimoji="1" lang="ja-JP" altLang="en-US" smtClean="0"/>
-              <a:t>2018/2/13</a:t>
+              <a:t>2018/2/14</a:t>
             </a:fld>
             <a:endParaRPr kumimoji="1" lang="ja-JP" altLang="en-US"/>
           </a:p>
@@ -2739,7 +2740,7 @@
           <a:p>
             <a:fld id="{ABA9A1D1-5B79-412D-8149-C192A605B75C}" type="datetimeFigureOut">
               <a:rPr kumimoji="1" lang="ja-JP" altLang="en-US" smtClean="0"/>
-              <a:t>2018/2/13</a:t>
+              <a:t>2018/2/14</a:t>
             </a:fld>
             <a:endParaRPr kumimoji="1" lang="ja-JP" altLang="en-US"/>
           </a:p>
@@ -2992,7 +2993,7 @@
           <a:p>
             <a:fld id="{ABA9A1D1-5B79-412D-8149-C192A605B75C}" type="datetimeFigureOut">
               <a:rPr kumimoji="1" lang="ja-JP" altLang="en-US" smtClean="0"/>
-              <a:t>2018/2/13</a:t>
+              <a:t>2018/2/14</a:t>
             </a:fld>
             <a:endParaRPr kumimoji="1" lang="ja-JP" altLang="en-US"/>
           </a:p>
@@ -3237,7 +3238,7 @@
           <a:p>
             <a:fld id="{ABA9A1D1-5B79-412D-8149-C192A605B75C}" type="datetimeFigureOut">
               <a:rPr kumimoji="1" lang="ja-JP" altLang="en-US" smtClean="0"/>
-              <a:t>2018/2/13</a:t>
+              <a:t>2018/2/14</a:t>
             </a:fld>
             <a:endParaRPr kumimoji="1" lang="ja-JP" altLang="en-US"/>
           </a:p>
@@ -4481,6 +4482,1155 @@
   <p:clrMapOvr>
     <a:masterClrMapping/>
   </p:clrMapOvr>
+</p:sld>
+</file>
+
+<file path=ppt/slides/slide2.xml><?xml version="1.0" encoding="utf-8"?>
+<p:sld xmlns:a="http://schemas.openxmlformats.org/drawingml/2006/main" xmlns:r="http://schemas.openxmlformats.org/officeDocument/2006/relationships" xmlns:p="http://schemas.openxmlformats.org/presentationml/2006/main">
+  <p:cSld>
+    <p:spTree>
+      <p:nvGrpSpPr>
+        <p:cNvPr id="1" name=""/>
+        <p:cNvGrpSpPr/>
+        <p:nvPr/>
+      </p:nvGrpSpPr>
+      <p:grpSpPr>
+        <a:xfrm>
+          <a:off x="0" y="0"/>
+          <a:ext cx="0" cy="0"/>
+          <a:chOff x="0" y="0"/>
+          <a:chExt cx="0" cy="0"/>
+        </a:xfrm>
+      </p:grpSpPr>
+      <p:sp>
+        <p:nvSpPr>
+          <p:cNvPr id="49" name="正方形/長方形 48"/>
+          <p:cNvSpPr/>
+          <p:nvPr/>
+        </p:nvSpPr>
+        <p:spPr>
+          <a:xfrm>
+            <a:off x="225277" y="217714"/>
+            <a:ext cx="6001352" cy="2499359"/>
+          </a:xfrm>
+          <a:prstGeom prst="rect">
+            <a:avLst/>
+          </a:prstGeom>
+          <a:solidFill>
+            <a:schemeClr val="bg1"/>
+          </a:solidFill>
+          <a:ln>
+            <a:solidFill>
+              <a:schemeClr val="bg1"/>
+            </a:solidFill>
+          </a:ln>
+        </p:spPr>
+        <p:style>
+          <a:lnRef idx="2">
+            <a:schemeClr val="accent1">
+              <a:shade val="50000"/>
+            </a:schemeClr>
+          </a:lnRef>
+          <a:fillRef idx="1">
+            <a:schemeClr val="accent1"/>
+          </a:fillRef>
+          <a:effectRef idx="0">
+            <a:schemeClr val="accent1"/>
+          </a:effectRef>
+          <a:fontRef idx="minor">
+            <a:schemeClr val="lt1"/>
+          </a:fontRef>
+        </p:style>
+        <p:txBody>
+          <a:bodyPr rot="0" spcFirstLastPara="0" vertOverflow="overflow" horzOverflow="overflow" vert="horz" wrap="square" lIns="91440" tIns="45720" rIns="91440" bIns="45720" numCol="1" spcCol="0" rtlCol="0" fromWordArt="0" anchor="ctr" anchorCtr="0" forceAA="0" compatLnSpc="1">
+            <a:prstTxWarp prst="textNoShape">
+              <a:avLst/>
+            </a:prstTxWarp>
+            <a:noAutofit/>
+          </a:bodyPr>
+          <a:lstStyle/>
+          <a:p>
+            <a:pPr algn="ctr"/>
+            <a:endParaRPr kumimoji="1" lang="ja-JP" altLang="en-US" sz="2000" dirty="0" smtClean="0">
+              <a:solidFill>
+                <a:schemeClr val="tx1"/>
+              </a:solidFill>
+            </a:endParaRPr>
+          </a:p>
+        </p:txBody>
+      </p:sp>
+      <p:sp>
+        <p:nvSpPr>
+          <p:cNvPr id="21" name="楕円 20"/>
+          <p:cNvSpPr/>
+          <p:nvPr/>
+        </p:nvSpPr>
+        <p:spPr>
+          <a:xfrm>
+            <a:off x="2709372" y="1430771"/>
+            <a:ext cx="486804" cy="482352"/>
+          </a:xfrm>
+          <a:prstGeom prst="ellipse">
+            <a:avLst/>
+          </a:prstGeom>
+          <a:solidFill>
+            <a:schemeClr val="bg1">
+              <a:lumMod val="85000"/>
+            </a:schemeClr>
+          </a:solidFill>
+          <a:ln w="25400">
+            <a:noFill/>
+          </a:ln>
+        </p:spPr>
+        <p:style>
+          <a:lnRef idx="2">
+            <a:schemeClr val="accent1">
+              <a:shade val="50000"/>
+            </a:schemeClr>
+          </a:lnRef>
+          <a:fillRef idx="1">
+            <a:schemeClr val="accent1"/>
+          </a:fillRef>
+          <a:effectRef idx="0">
+            <a:schemeClr val="accent1"/>
+          </a:effectRef>
+          <a:fontRef idx="minor">
+            <a:schemeClr val="lt1"/>
+          </a:fontRef>
+        </p:style>
+        <p:txBody>
+          <a:bodyPr rtlCol="0" anchor="ctr"/>
+          <a:lstStyle/>
+          <a:p>
+            <a:pPr algn="ctr"/>
+            <a:r>
+              <a:rPr kumimoji="1" lang="en-US" altLang="ja-JP" dirty="0" smtClean="0">
+                <a:solidFill>
+                  <a:schemeClr val="tx1"/>
+                </a:solidFill>
+              </a:rPr>
+              <a:t>B</a:t>
+            </a:r>
+            <a:endParaRPr kumimoji="1" lang="ja-JP" altLang="en-US" dirty="0" smtClean="0">
+              <a:solidFill>
+                <a:schemeClr val="tx1"/>
+              </a:solidFill>
+            </a:endParaRPr>
+          </a:p>
+        </p:txBody>
+      </p:sp>
+      <p:sp>
+        <p:nvSpPr>
+          <p:cNvPr id="22" name="楕円 21"/>
+          <p:cNvSpPr/>
+          <p:nvPr/>
+        </p:nvSpPr>
+        <p:spPr>
+          <a:xfrm>
+            <a:off x="2886448" y="696001"/>
+            <a:ext cx="486804" cy="482352"/>
+          </a:xfrm>
+          <a:prstGeom prst="ellipse">
+            <a:avLst/>
+          </a:prstGeom>
+          <a:solidFill>
+            <a:schemeClr val="bg1">
+              <a:lumMod val="85000"/>
+            </a:schemeClr>
+          </a:solidFill>
+          <a:ln w="25400">
+            <a:noFill/>
+          </a:ln>
+        </p:spPr>
+        <p:style>
+          <a:lnRef idx="2">
+            <a:schemeClr val="accent1">
+              <a:shade val="50000"/>
+            </a:schemeClr>
+          </a:lnRef>
+          <a:fillRef idx="1">
+            <a:schemeClr val="accent1"/>
+          </a:fillRef>
+          <a:effectRef idx="0">
+            <a:schemeClr val="accent1"/>
+          </a:effectRef>
+          <a:fontRef idx="minor">
+            <a:schemeClr val="lt1"/>
+          </a:fontRef>
+        </p:style>
+        <p:txBody>
+          <a:bodyPr rtlCol="0" anchor="ctr"/>
+          <a:lstStyle/>
+          <a:p>
+            <a:pPr algn="ctr"/>
+            <a:r>
+              <a:rPr lang="en-US" altLang="ja-JP" dirty="0">
+                <a:solidFill>
+                  <a:schemeClr val="tx1"/>
+                </a:solidFill>
+              </a:rPr>
+              <a:t>C</a:t>
+            </a:r>
+            <a:endParaRPr kumimoji="1" lang="ja-JP" altLang="en-US" dirty="0" smtClean="0">
+              <a:solidFill>
+                <a:schemeClr val="tx1"/>
+              </a:solidFill>
+            </a:endParaRPr>
+          </a:p>
+        </p:txBody>
+      </p:sp>
+      <p:sp>
+        <p:nvSpPr>
+          <p:cNvPr id="24" name="楕円 23"/>
+          <p:cNvSpPr/>
+          <p:nvPr/>
+        </p:nvSpPr>
+        <p:spPr>
+          <a:xfrm>
+            <a:off x="3672519" y="1430771"/>
+            <a:ext cx="486804" cy="482352"/>
+          </a:xfrm>
+          <a:prstGeom prst="ellipse">
+            <a:avLst/>
+          </a:prstGeom>
+          <a:solidFill>
+            <a:schemeClr val="bg1">
+              <a:lumMod val="85000"/>
+            </a:schemeClr>
+          </a:solidFill>
+          <a:ln w="25400">
+            <a:noFill/>
+          </a:ln>
+        </p:spPr>
+        <p:style>
+          <a:lnRef idx="2">
+            <a:schemeClr val="accent1">
+              <a:shade val="50000"/>
+            </a:schemeClr>
+          </a:lnRef>
+          <a:fillRef idx="1">
+            <a:schemeClr val="accent1"/>
+          </a:fillRef>
+          <a:effectRef idx="0">
+            <a:schemeClr val="accent1"/>
+          </a:effectRef>
+          <a:fontRef idx="minor">
+            <a:schemeClr val="lt1"/>
+          </a:fontRef>
+        </p:style>
+        <p:txBody>
+          <a:bodyPr rtlCol="0" anchor="ctr"/>
+          <a:lstStyle/>
+          <a:p>
+            <a:pPr algn="ctr"/>
+            <a:r>
+              <a:rPr kumimoji="1" lang="en-US" altLang="ja-JP" dirty="0" smtClean="0">
+                <a:solidFill>
+                  <a:schemeClr val="tx1"/>
+                </a:solidFill>
+              </a:rPr>
+              <a:t>D</a:t>
+            </a:r>
+            <a:endParaRPr kumimoji="1" lang="ja-JP" altLang="en-US" dirty="0" smtClean="0">
+              <a:solidFill>
+                <a:schemeClr val="tx1"/>
+              </a:solidFill>
+            </a:endParaRPr>
+          </a:p>
+        </p:txBody>
+      </p:sp>
+      <p:cxnSp>
+        <p:nvCxnSpPr>
+          <p:cNvPr id="27" name="直線矢印コネクタ 26"/>
+          <p:cNvCxnSpPr>
+            <a:stCxn id="31" idx="5"/>
+            <a:endCxn id="21" idx="1"/>
+          </p:cNvCxnSpPr>
+          <p:nvPr/>
+        </p:nvCxnSpPr>
+        <p:spPr>
+          <a:xfrm>
+            <a:off x="2357615" y="1107714"/>
+            <a:ext cx="423048" cy="393696"/>
+          </a:xfrm>
+          <a:prstGeom prst="straightConnector1">
+            <a:avLst/>
+          </a:prstGeom>
+          <a:ln w="38100" cmpd="sng">
+            <a:solidFill>
+              <a:schemeClr val="tx1"/>
+            </a:solidFill>
+            <a:prstDash val="solid"/>
+            <a:tailEnd type="triangle"/>
+          </a:ln>
+        </p:spPr>
+        <p:style>
+          <a:lnRef idx="1">
+            <a:schemeClr val="accent1"/>
+          </a:lnRef>
+          <a:fillRef idx="0">
+            <a:schemeClr val="accent1"/>
+          </a:fillRef>
+          <a:effectRef idx="0">
+            <a:schemeClr val="accent1"/>
+          </a:effectRef>
+          <a:fontRef idx="minor">
+            <a:schemeClr val="tx1"/>
+          </a:fontRef>
+        </p:style>
+      </p:cxnSp>
+      <p:cxnSp>
+        <p:nvCxnSpPr>
+          <p:cNvPr id="30" name="直線矢印コネクタ 29"/>
+          <p:cNvCxnSpPr>
+            <a:stCxn id="22" idx="5"/>
+            <a:endCxn id="24" idx="1"/>
+          </p:cNvCxnSpPr>
+          <p:nvPr/>
+        </p:nvCxnSpPr>
+        <p:spPr>
+          <a:xfrm>
+            <a:off x="3301961" y="1107714"/>
+            <a:ext cx="441849" cy="393696"/>
+          </a:xfrm>
+          <a:prstGeom prst="straightConnector1">
+            <a:avLst/>
+          </a:prstGeom>
+          <a:ln w="38100" cmpd="sng">
+            <a:solidFill>
+              <a:schemeClr val="tx1"/>
+            </a:solidFill>
+            <a:prstDash val="solid"/>
+            <a:tailEnd type="triangle"/>
+          </a:ln>
+        </p:spPr>
+        <p:style>
+          <a:lnRef idx="1">
+            <a:schemeClr val="accent1"/>
+          </a:lnRef>
+          <a:fillRef idx="0">
+            <a:schemeClr val="accent1"/>
+          </a:fillRef>
+          <a:effectRef idx="0">
+            <a:schemeClr val="accent1"/>
+          </a:effectRef>
+          <a:fontRef idx="minor">
+            <a:schemeClr val="tx1"/>
+          </a:fontRef>
+        </p:style>
+      </p:cxnSp>
+      <p:sp>
+        <p:nvSpPr>
+          <p:cNvPr id="31" name="楕円 30"/>
+          <p:cNvSpPr/>
+          <p:nvPr/>
+        </p:nvSpPr>
+        <p:spPr>
+          <a:xfrm>
+            <a:off x="1942102" y="696001"/>
+            <a:ext cx="486804" cy="482352"/>
+          </a:xfrm>
+          <a:prstGeom prst="ellipse">
+            <a:avLst/>
+          </a:prstGeom>
+          <a:solidFill>
+            <a:schemeClr val="bg1">
+              <a:lumMod val="85000"/>
+            </a:schemeClr>
+          </a:solidFill>
+          <a:ln w="25400">
+            <a:noFill/>
+          </a:ln>
+        </p:spPr>
+        <p:style>
+          <a:lnRef idx="2">
+            <a:schemeClr val="accent1">
+              <a:shade val="50000"/>
+            </a:schemeClr>
+          </a:lnRef>
+          <a:fillRef idx="1">
+            <a:schemeClr val="accent1"/>
+          </a:fillRef>
+          <a:effectRef idx="0">
+            <a:schemeClr val="accent1"/>
+          </a:effectRef>
+          <a:fontRef idx="minor">
+            <a:schemeClr val="lt1"/>
+          </a:fontRef>
+        </p:style>
+        <p:txBody>
+          <a:bodyPr rtlCol="0" anchor="ctr"/>
+          <a:lstStyle/>
+          <a:p>
+            <a:pPr algn="ctr"/>
+            <a:r>
+              <a:rPr lang="en-US" altLang="ja-JP" dirty="0" smtClean="0">
+                <a:solidFill>
+                  <a:schemeClr val="tx1"/>
+                </a:solidFill>
+              </a:rPr>
+              <a:t>A</a:t>
+            </a:r>
+          </a:p>
+        </p:txBody>
+      </p:sp>
+      <p:sp>
+        <p:nvSpPr>
+          <p:cNvPr id="36" name="テキスト ボックス 35"/>
+          <p:cNvSpPr txBox="1"/>
+          <p:nvPr/>
+        </p:nvSpPr>
+        <p:spPr>
+          <a:xfrm>
+            <a:off x="265078" y="276603"/>
+            <a:ext cx="2778325" cy="369332"/>
+          </a:xfrm>
+          <a:prstGeom prst="rect">
+            <a:avLst/>
+          </a:prstGeom>
+          <a:noFill/>
+          <a:ln w="19050">
+            <a:solidFill>
+              <a:schemeClr val="tx1"/>
+            </a:solidFill>
+            <a:prstDash val="sysDot"/>
+          </a:ln>
+        </p:spPr>
+        <p:txBody>
+          <a:bodyPr wrap="none" rtlCol="0">
+            <a:spAutoFit/>
+          </a:bodyPr>
+          <a:lstStyle/>
+          <a:p>
+            <a:r>
+              <a:rPr kumimoji="1" lang="en-US" altLang="ja-JP" dirty="0" smtClean="0"/>
+              <a:t>ABE</a:t>
+            </a:r>
+            <a:r>
+              <a:rPr lang="en-US" altLang="ja-JP" dirty="0" smtClean="0"/>
+              <a:t>, CD</a:t>
+            </a:r>
+            <a:r>
+              <a:rPr lang="ja-JP" altLang="en-US" dirty="0" smtClean="0"/>
+              <a:t>の不変項目が一致</a:t>
+            </a:r>
+            <a:endParaRPr kumimoji="1" lang="ja-JP" altLang="en-US" dirty="0"/>
+          </a:p>
+        </p:txBody>
+      </p:sp>
+      <p:sp>
+        <p:nvSpPr>
+          <p:cNvPr id="37" name="線吹き出し 1 (枠付き) 36"/>
+          <p:cNvSpPr/>
+          <p:nvPr/>
+        </p:nvSpPr>
+        <p:spPr>
+          <a:xfrm>
+            <a:off x="3720990" y="691225"/>
+            <a:ext cx="1913456" cy="360040"/>
+          </a:xfrm>
+          <a:prstGeom prst="borderCallout1">
+            <a:avLst>
+              <a:gd name="adj1" fmla="val 37741"/>
+              <a:gd name="adj2" fmla="val -1094"/>
+              <a:gd name="adj3" fmla="val 78964"/>
+              <a:gd name="adj4" fmla="val -15822"/>
+            </a:avLst>
+          </a:prstGeom>
+          <a:solidFill>
+            <a:schemeClr val="bg1"/>
+          </a:solidFill>
+          <a:ln w="19050">
+            <a:solidFill>
+              <a:schemeClr val="tx1"/>
+            </a:solidFill>
+            <a:prstDash val="sysDot"/>
+          </a:ln>
+        </p:spPr>
+        <p:style>
+          <a:lnRef idx="2">
+            <a:schemeClr val="accent1">
+              <a:shade val="50000"/>
+            </a:schemeClr>
+          </a:lnRef>
+          <a:fillRef idx="1">
+            <a:schemeClr val="accent1"/>
+          </a:fillRef>
+          <a:effectRef idx="0">
+            <a:schemeClr val="accent1"/>
+          </a:effectRef>
+          <a:fontRef idx="minor">
+            <a:schemeClr val="lt1"/>
+          </a:fontRef>
+        </p:style>
+        <p:txBody>
+          <a:bodyPr rtlCol="0" anchor="ctr"/>
+          <a:lstStyle/>
+          <a:p>
+            <a:pPr algn="ctr"/>
+            <a:r>
+              <a:rPr lang="en-US" altLang="ja-JP" dirty="0" err="1">
+                <a:solidFill>
+                  <a:schemeClr val="tx1"/>
+                </a:solidFill>
+              </a:rPr>
+              <a:t>InitialState</a:t>
+            </a:r>
+            <a:r>
+              <a:rPr lang="en-US" altLang="ja-JP" dirty="0">
+                <a:solidFill>
+                  <a:schemeClr val="tx1"/>
+                </a:solidFill>
+              </a:rPr>
+              <a:t>[C]</a:t>
+            </a:r>
+            <a:r>
+              <a:rPr lang="ja-JP" altLang="en-US" dirty="0">
+                <a:solidFill>
+                  <a:schemeClr val="tx1"/>
+                </a:solidFill>
+              </a:rPr>
+              <a:t>が</a:t>
+            </a:r>
+            <a:r>
+              <a:rPr lang="ja-JP" altLang="en-US" dirty="0" smtClean="0">
+                <a:solidFill>
+                  <a:schemeClr val="tx1"/>
+                </a:solidFill>
+              </a:rPr>
+              <a:t>真</a:t>
+            </a:r>
+            <a:endParaRPr lang="ja-JP" altLang="en-US" dirty="0">
+              <a:solidFill>
+                <a:schemeClr val="tx1"/>
+              </a:solidFill>
+            </a:endParaRPr>
+          </a:p>
+        </p:txBody>
+      </p:sp>
+      <p:sp>
+        <p:nvSpPr>
+          <p:cNvPr id="38" name="線吹き出し 1 (枠付き) 37"/>
+          <p:cNvSpPr/>
+          <p:nvPr/>
+        </p:nvSpPr>
+        <p:spPr>
+          <a:xfrm>
+            <a:off x="4169325" y="1164736"/>
+            <a:ext cx="1962933" cy="360040"/>
+          </a:xfrm>
+          <a:prstGeom prst="borderCallout1">
+            <a:avLst>
+              <a:gd name="adj1" fmla="val 30334"/>
+              <a:gd name="adj2" fmla="val -869"/>
+              <a:gd name="adj3" fmla="val 31950"/>
+              <a:gd name="adj4" fmla="val -27965"/>
+            </a:avLst>
+          </a:prstGeom>
+          <a:solidFill>
+            <a:schemeClr val="bg1"/>
+          </a:solidFill>
+          <a:ln w="19050">
+            <a:solidFill>
+              <a:schemeClr val="tx1"/>
+            </a:solidFill>
+            <a:prstDash val="sysDot"/>
+          </a:ln>
+        </p:spPr>
+        <p:style>
+          <a:lnRef idx="2">
+            <a:schemeClr val="accent1">
+              <a:shade val="50000"/>
+            </a:schemeClr>
+          </a:lnRef>
+          <a:fillRef idx="1">
+            <a:schemeClr val="accent1"/>
+          </a:fillRef>
+          <a:effectRef idx="0">
+            <a:schemeClr val="accent1"/>
+          </a:effectRef>
+          <a:fontRef idx="minor">
+            <a:schemeClr val="lt1"/>
+          </a:fontRef>
+        </p:style>
+        <p:txBody>
+          <a:bodyPr rtlCol="0" anchor="ctr"/>
+          <a:lstStyle/>
+          <a:p>
+            <a:pPr algn="ctr"/>
+            <a:r>
+              <a:rPr lang="en-US" altLang="ja-JP" dirty="0" err="1" smtClean="0">
+                <a:solidFill>
+                  <a:schemeClr val="tx1"/>
+                </a:solidFill>
+              </a:rPr>
+              <a:t>LastState</a:t>
+            </a:r>
+            <a:r>
+              <a:rPr lang="en-US" altLang="ja-JP" dirty="0" smtClean="0">
+                <a:solidFill>
+                  <a:schemeClr val="tx1"/>
+                </a:solidFill>
+              </a:rPr>
+              <a:t>[C,D]</a:t>
+            </a:r>
+            <a:r>
+              <a:rPr lang="ja-JP" altLang="en-US" dirty="0">
+                <a:solidFill>
+                  <a:schemeClr val="tx1"/>
+                </a:solidFill>
+              </a:rPr>
+              <a:t>が</a:t>
+            </a:r>
+            <a:r>
+              <a:rPr lang="ja-JP" altLang="en-US" dirty="0" smtClean="0">
+                <a:solidFill>
+                  <a:schemeClr val="tx1"/>
+                </a:solidFill>
+              </a:rPr>
+              <a:t>真</a:t>
+            </a:r>
+            <a:endParaRPr lang="ja-JP" altLang="en-US" dirty="0">
+              <a:solidFill>
+                <a:schemeClr val="tx1"/>
+              </a:solidFill>
+            </a:endParaRPr>
+          </a:p>
+        </p:txBody>
+      </p:sp>
+      <p:sp>
+        <p:nvSpPr>
+          <p:cNvPr id="39" name="線吹き出し 1 (枠付き) 38"/>
+          <p:cNvSpPr/>
+          <p:nvPr/>
+        </p:nvSpPr>
+        <p:spPr>
+          <a:xfrm>
+            <a:off x="468989" y="1304562"/>
+            <a:ext cx="1910880" cy="360040"/>
+          </a:xfrm>
+          <a:prstGeom prst="borderCallout1">
+            <a:avLst>
+              <a:gd name="adj1" fmla="val 703"/>
+              <a:gd name="adj2" fmla="val 64609"/>
+              <a:gd name="adj3" fmla="val -63441"/>
+              <a:gd name="adj4" fmla="val 82575"/>
+            </a:avLst>
+          </a:prstGeom>
+          <a:solidFill>
+            <a:schemeClr val="bg1"/>
+          </a:solidFill>
+          <a:ln w="19050">
+            <a:solidFill>
+              <a:schemeClr val="tx1"/>
+            </a:solidFill>
+            <a:prstDash val="sysDot"/>
+          </a:ln>
+        </p:spPr>
+        <p:style>
+          <a:lnRef idx="2">
+            <a:schemeClr val="accent1">
+              <a:shade val="50000"/>
+            </a:schemeClr>
+          </a:lnRef>
+          <a:fillRef idx="1">
+            <a:schemeClr val="accent1"/>
+          </a:fillRef>
+          <a:effectRef idx="0">
+            <a:schemeClr val="accent1"/>
+          </a:effectRef>
+          <a:fontRef idx="minor">
+            <a:schemeClr val="lt1"/>
+          </a:fontRef>
+        </p:style>
+        <p:txBody>
+          <a:bodyPr rtlCol="0" anchor="ctr"/>
+          <a:lstStyle/>
+          <a:p>
+            <a:pPr algn="ctr"/>
+            <a:r>
+              <a:rPr lang="en-US" altLang="ja-JP" dirty="0" err="1" smtClean="0">
+                <a:solidFill>
+                  <a:schemeClr val="tx1"/>
+                </a:solidFill>
+              </a:rPr>
+              <a:t>InitialState</a:t>
+            </a:r>
+            <a:r>
+              <a:rPr lang="en-US" altLang="ja-JP" dirty="0" smtClean="0">
+                <a:solidFill>
+                  <a:schemeClr val="tx1"/>
+                </a:solidFill>
+              </a:rPr>
+              <a:t>[A]</a:t>
+            </a:r>
+            <a:r>
+              <a:rPr lang="ja-JP" altLang="en-US" dirty="0">
+                <a:solidFill>
+                  <a:schemeClr val="tx1"/>
+                </a:solidFill>
+              </a:rPr>
+              <a:t>が</a:t>
+            </a:r>
+            <a:r>
+              <a:rPr lang="ja-JP" altLang="en-US" dirty="0" smtClean="0">
+                <a:solidFill>
+                  <a:schemeClr val="tx1"/>
+                </a:solidFill>
+              </a:rPr>
+              <a:t>真</a:t>
+            </a:r>
+            <a:endParaRPr lang="ja-JP" altLang="en-US" dirty="0">
+              <a:solidFill>
+                <a:schemeClr val="tx1"/>
+              </a:solidFill>
+            </a:endParaRPr>
+          </a:p>
+        </p:txBody>
+      </p:sp>
+      <p:sp>
+        <p:nvSpPr>
+          <p:cNvPr id="40" name="線吹き出し 1 (枠付き) 39"/>
+          <p:cNvSpPr/>
+          <p:nvPr/>
+        </p:nvSpPr>
+        <p:spPr>
+          <a:xfrm>
+            <a:off x="642307" y="1830797"/>
+            <a:ext cx="2023866" cy="360040"/>
+          </a:xfrm>
+          <a:prstGeom prst="borderCallout1">
+            <a:avLst>
+              <a:gd name="adj1" fmla="val -2774"/>
+              <a:gd name="adj2" fmla="val 86874"/>
+              <a:gd name="adj3" fmla="val -112875"/>
+              <a:gd name="adj4" fmla="val 95654"/>
+            </a:avLst>
+          </a:prstGeom>
+          <a:solidFill>
+            <a:schemeClr val="bg1"/>
+          </a:solidFill>
+          <a:ln w="19050">
+            <a:solidFill>
+              <a:schemeClr val="tx1"/>
+            </a:solidFill>
+            <a:prstDash val="sysDot"/>
+          </a:ln>
+        </p:spPr>
+        <p:style>
+          <a:lnRef idx="2">
+            <a:schemeClr val="accent1">
+              <a:shade val="50000"/>
+            </a:schemeClr>
+          </a:lnRef>
+          <a:fillRef idx="1">
+            <a:schemeClr val="accent1"/>
+          </a:fillRef>
+          <a:effectRef idx="0">
+            <a:schemeClr val="accent1"/>
+          </a:effectRef>
+          <a:fontRef idx="minor">
+            <a:schemeClr val="lt1"/>
+          </a:fontRef>
+        </p:style>
+        <p:txBody>
+          <a:bodyPr rtlCol="0" anchor="ctr"/>
+          <a:lstStyle/>
+          <a:p>
+            <a:pPr algn="ctr"/>
+            <a:r>
+              <a:rPr lang="en-US" altLang="ja-JP" dirty="0" err="1" smtClean="0">
+                <a:solidFill>
+                  <a:schemeClr val="tx1"/>
+                </a:solidFill>
+              </a:rPr>
+              <a:t>LastState</a:t>
+            </a:r>
+            <a:r>
+              <a:rPr lang="en-US" altLang="ja-JP" dirty="0" smtClean="0">
+                <a:solidFill>
+                  <a:schemeClr val="tx1"/>
+                </a:solidFill>
+              </a:rPr>
+              <a:t>[A,B]</a:t>
+            </a:r>
+            <a:r>
+              <a:rPr lang="ja-JP" altLang="en-US" dirty="0">
+                <a:solidFill>
+                  <a:schemeClr val="tx1"/>
+                </a:solidFill>
+              </a:rPr>
+              <a:t>が</a:t>
+            </a:r>
+            <a:r>
+              <a:rPr lang="ja-JP" altLang="en-US" dirty="0" smtClean="0">
+                <a:solidFill>
+                  <a:schemeClr val="tx1"/>
+                </a:solidFill>
+              </a:rPr>
+              <a:t>真</a:t>
+            </a:r>
+            <a:endParaRPr lang="ja-JP" altLang="en-US" dirty="0">
+              <a:solidFill>
+                <a:schemeClr val="tx1"/>
+              </a:solidFill>
+            </a:endParaRPr>
+          </a:p>
+        </p:txBody>
+      </p:sp>
+      <p:sp>
+        <p:nvSpPr>
+          <p:cNvPr id="41" name="楕円 40"/>
+          <p:cNvSpPr/>
+          <p:nvPr/>
+        </p:nvSpPr>
+        <p:spPr>
+          <a:xfrm>
+            <a:off x="3469929" y="2166420"/>
+            <a:ext cx="486804" cy="482352"/>
+          </a:xfrm>
+          <a:prstGeom prst="ellipse">
+            <a:avLst/>
+          </a:prstGeom>
+          <a:solidFill>
+            <a:schemeClr val="bg1">
+              <a:lumMod val="85000"/>
+            </a:schemeClr>
+          </a:solidFill>
+          <a:ln w="25400">
+            <a:noFill/>
+          </a:ln>
+        </p:spPr>
+        <p:style>
+          <a:lnRef idx="2">
+            <a:schemeClr val="accent1">
+              <a:shade val="50000"/>
+            </a:schemeClr>
+          </a:lnRef>
+          <a:fillRef idx="1">
+            <a:schemeClr val="accent1"/>
+          </a:fillRef>
+          <a:effectRef idx="0">
+            <a:schemeClr val="accent1"/>
+          </a:effectRef>
+          <a:fontRef idx="minor">
+            <a:schemeClr val="lt1"/>
+          </a:fontRef>
+        </p:style>
+        <p:txBody>
+          <a:bodyPr rtlCol="0" anchor="ctr"/>
+          <a:lstStyle/>
+          <a:p>
+            <a:pPr algn="ctr"/>
+            <a:r>
+              <a:rPr lang="en-US" altLang="ja-JP" dirty="0">
+                <a:solidFill>
+                  <a:schemeClr val="tx1"/>
+                </a:solidFill>
+              </a:rPr>
+              <a:t>E</a:t>
+            </a:r>
+            <a:endParaRPr kumimoji="1" lang="ja-JP" altLang="en-US" dirty="0" smtClean="0">
+              <a:solidFill>
+                <a:schemeClr val="tx1"/>
+              </a:solidFill>
+            </a:endParaRPr>
+          </a:p>
+        </p:txBody>
+      </p:sp>
+      <p:cxnSp>
+        <p:nvCxnSpPr>
+          <p:cNvPr id="42" name="直線矢印コネクタ 41"/>
+          <p:cNvCxnSpPr>
+            <a:stCxn id="21" idx="5"/>
+            <a:endCxn id="41" idx="1"/>
+          </p:cNvCxnSpPr>
+          <p:nvPr/>
+        </p:nvCxnSpPr>
+        <p:spPr>
+          <a:xfrm>
+            <a:off x="3124885" y="1842484"/>
+            <a:ext cx="416335" cy="394575"/>
+          </a:xfrm>
+          <a:prstGeom prst="straightConnector1">
+            <a:avLst/>
+          </a:prstGeom>
+          <a:ln w="38100" cmpd="sng">
+            <a:solidFill>
+              <a:schemeClr val="tx1"/>
+            </a:solidFill>
+            <a:prstDash val="solid"/>
+            <a:tailEnd type="triangle"/>
+          </a:ln>
+        </p:spPr>
+        <p:style>
+          <a:lnRef idx="1">
+            <a:schemeClr val="accent1"/>
+          </a:lnRef>
+          <a:fillRef idx="0">
+            <a:schemeClr val="accent1"/>
+          </a:fillRef>
+          <a:effectRef idx="0">
+            <a:schemeClr val="accent1"/>
+          </a:effectRef>
+          <a:fontRef idx="minor">
+            <a:schemeClr val="tx1"/>
+          </a:fontRef>
+        </p:style>
+      </p:cxnSp>
+      <p:sp>
+        <p:nvSpPr>
+          <p:cNvPr id="48" name="線吹き出し 1 (枠付き) 47"/>
+          <p:cNvSpPr/>
+          <p:nvPr/>
+        </p:nvSpPr>
+        <p:spPr>
+          <a:xfrm>
+            <a:off x="981328" y="2284624"/>
+            <a:ext cx="1921547" cy="360040"/>
+          </a:xfrm>
+          <a:prstGeom prst="borderCallout1">
+            <a:avLst>
+              <a:gd name="adj1" fmla="val 31089"/>
+              <a:gd name="adj2" fmla="val 99908"/>
+              <a:gd name="adj3" fmla="val -79013"/>
+              <a:gd name="adj4" fmla="val 113698"/>
+            </a:avLst>
+          </a:prstGeom>
+          <a:solidFill>
+            <a:schemeClr val="bg1"/>
+          </a:solidFill>
+          <a:ln w="19050">
+            <a:solidFill>
+              <a:schemeClr val="tx1"/>
+            </a:solidFill>
+            <a:prstDash val="sysDot"/>
+          </a:ln>
+        </p:spPr>
+        <p:style>
+          <a:lnRef idx="2">
+            <a:schemeClr val="accent1">
+              <a:shade val="50000"/>
+            </a:schemeClr>
+          </a:lnRef>
+          <a:fillRef idx="1">
+            <a:schemeClr val="accent1"/>
+          </a:fillRef>
+          <a:effectRef idx="0">
+            <a:schemeClr val="accent1"/>
+          </a:effectRef>
+          <a:fontRef idx="minor">
+            <a:schemeClr val="lt1"/>
+          </a:fontRef>
+        </p:style>
+        <p:txBody>
+          <a:bodyPr rtlCol="0" anchor="ctr"/>
+          <a:lstStyle/>
+          <a:p>
+            <a:pPr algn="ctr"/>
+            <a:r>
+              <a:rPr lang="en-US" altLang="ja-JP" dirty="0" err="1" smtClean="0">
+                <a:solidFill>
+                  <a:schemeClr val="tx1"/>
+                </a:solidFill>
+              </a:rPr>
+              <a:t>LastState</a:t>
+            </a:r>
+            <a:r>
+              <a:rPr lang="en-US" altLang="ja-JP" dirty="0" smtClean="0">
+                <a:solidFill>
+                  <a:schemeClr val="tx1"/>
+                </a:solidFill>
+              </a:rPr>
+              <a:t>[B,E]</a:t>
+            </a:r>
+            <a:r>
+              <a:rPr lang="ja-JP" altLang="en-US" dirty="0">
+                <a:solidFill>
+                  <a:schemeClr val="tx1"/>
+                </a:solidFill>
+              </a:rPr>
+              <a:t>が</a:t>
+            </a:r>
+            <a:r>
+              <a:rPr lang="ja-JP" altLang="en-US" dirty="0" smtClean="0">
+                <a:solidFill>
+                  <a:schemeClr val="tx1"/>
+                </a:solidFill>
+              </a:rPr>
+              <a:t>真</a:t>
+            </a:r>
+            <a:endParaRPr lang="ja-JP" altLang="en-US" dirty="0">
+              <a:solidFill>
+                <a:schemeClr val="tx1"/>
+              </a:solidFill>
+            </a:endParaRPr>
+          </a:p>
+        </p:txBody>
+      </p:sp>
+    </p:spTree>
+    <p:extLst>
+      <p:ext uri="{BB962C8B-B14F-4D97-AF65-F5344CB8AC3E}">
+        <p14:creationId xmlns:p14="http://schemas.microsoft.com/office/powerpoint/2010/main" val="4040183097"/>
+      </p:ext>
+    </p:extLst>
+  </p:cSld>
+  <p:clrMapOvr>
+    <a:masterClrMapping/>
+  </p:clrMapOvr>
+  <p:timing>
+    <p:tnLst>
+      <p:par>
+        <p:cTn id="1" dur="indefinite" restart="never" nodeType="tmRoot">
+          <p:childTnLst>
+            <p:seq concurrent="1" nextAc="seek">
+              <p:cTn id="2" dur="indefinite" nodeType="mainSeq">
+                <p:childTnLst>
+                  <p:par>
+                    <p:cTn id="3" fill="hold">
+                      <p:stCondLst>
+                        <p:cond delay="indefinite"/>
+                      </p:stCondLst>
+                      <p:childTnLst>
+                        <p:par>
+                          <p:cTn id="4" fill="hold">
+                            <p:stCondLst>
+                              <p:cond delay="0"/>
+                            </p:stCondLst>
+                            <p:childTnLst>
+                              <p:par>
+                                <p:cTn id="5" presetID="10" presetClass="entr" presetSubtype="0" fill="hold" nodeType="clickEffect">
+                                  <p:stCondLst>
+                                    <p:cond delay="0"/>
+                                  </p:stCondLst>
+                                  <p:childTnLst>
+                                    <p:set>
+                                      <p:cBhvr>
+                                        <p:cTn id="6" dur="1" fill="hold">
+                                          <p:stCondLst>
+                                            <p:cond delay="0"/>
+                                          </p:stCondLst>
+                                        </p:cTn>
+                                        <p:tgtEl>
+                                          <p:spTgt spid="27"/>
+                                        </p:tgtEl>
+                                        <p:attrNameLst>
+                                          <p:attrName>style.visibility</p:attrName>
+                                        </p:attrNameLst>
+                                      </p:cBhvr>
+                                      <p:to>
+                                        <p:strVal val="visible"/>
+                                      </p:to>
+                                    </p:set>
+                                    <p:animEffect transition="in" filter="fade">
+                                      <p:cBhvr>
+                                        <p:cTn id="7" dur="500"/>
+                                        <p:tgtEl>
+                                          <p:spTgt spid="27"/>
+                                        </p:tgtEl>
+                                      </p:cBhvr>
+                                    </p:animEffect>
+                                  </p:childTnLst>
+                                </p:cTn>
+                              </p:par>
+                              <p:par>
+                                <p:cTn id="8" presetID="10" presetClass="entr" presetSubtype="0" fill="hold" nodeType="withEffect">
+                                  <p:stCondLst>
+                                    <p:cond delay="0"/>
+                                  </p:stCondLst>
+                                  <p:childTnLst>
+                                    <p:set>
+                                      <p:cBhvr>
+                                        <p:cTn id="9" dur="1" fill="hold">
+                                          <p:stCondLst>
+                                            <p:cond delay="0"/>
+                                          </p:stCondLst>
+                                        </p:cTn>
+                                        <p:tgtEl>
+                                          <p:spTgt spid="30"/>
+                                        </p:tgtEl>
+                                        <p:attrNameLst>
+                                          <p:attrName>style.visibility</p:attrName>
+                                        </p:attrNameLst>
+                                      </p:cBhvr>
+                                      <p:to>
+                                        <p:strVal val="visible"/>
+                                      </p:to>
+                                    </p:set>
+                                    <p:animEffect transition="in" filter="fade">
+                                      <p:cBhvr>
+                                        <p:cTn id="10" dur="500"/>
+                                        <p:tgtEl>
+                                          <p:spTgt spid="30"/>
+                                        </p:tgtEl>
+                                      </p:cBhvr>
+                                    </p:animEffect>
+                                  </p:childTnLst>
+                                </p:cTn>
+                              </p:par>
+                              <p:par>
+                                <p:cTn id="11" presetID="10" presetClass="entr" presetSubtype="0" fill="hold" nodeType="withEffect">
+                                  <p:stCondLst>
+                                    <p:cond delay="0"/>
+                                  </p:stCondLst>
+                                  <p:childTnLst>
+                                    <p:set>
+                                      <p:cBhvr>
+                                        <p:cTn id="12" dur="1" fill="hold">
+                                          <p:stCondLst>
+                                            <p:cond delay="0"/>
+                                          </p:stCondLst>
+                                        </p:cTn>
+                                        <p:tgtEl>
+                                          <p:spTgt spid="42"/>
+                                        </p:tgtEl>
+                                        <p:attrNameLst>
+                                          <p:attrName>style.visibility</p:attrName>
+                                        </p:attrNameLst>
+                                      </p:cBhvr>
+                                      <p:to>
+                                        <p:strVal val="visible"/>
+                                      </p:to>
+                                    </p:set>
+                                    <p:animEffect transition="in" filter="fade">
+                                      <p:cBhvr>
+                                        <p:cTn id="13" dur="500"/>
+                                        <p:tgtEl>
+                                          <p:spTgt spid="42"/>
+                                        </p:tgtEl>
+                                      </p:cBhvr>
+                                    </p:animEffect>
+                                  </p:childTnLst>
+                                </p:cTn>
+                              </p:par>
+                            </p:childTnLst>
+                          </p:cTn>
+                        </p:par>
+                      </p:childTnLst>
+                    </p:cTn>
+                  </p:par>
+                </p:childTnLst>
+              </p:cTn>
+              <p:prevCondLst>
+                <p:cond evt="onPrev" delay="0">
+                  <p:tgtEl>
+                    <p:sldTgt/>
+                  </p:tgtEl>
+                </p:cond>
+              </p:prevCondLst>
+              <p:nextCondLst>
+                <p:cond evt="onNext" delay="0">
+                  <p:tgtEl>
+                    <p:sldTgt/>
+                  </p:tgtEl>
+                </p:cond>
+              </p:nextCondLst>
+            </p:seq>
+          </p:childTnLst>
+        </p:cTn>
+      </p:par>
+    </p:tnLst>
+  </p:timing>
 </p:sld>
 </file>
 
